--- a/PPT.pptx
+++ b/PPT.pptx
@@ -9,8 +9,8 @@
     <p:sldId id="282" r:id="rId3"/>
     <p:sldId id="278" r:id="rId4"/>
     <p:sldId id="283" r:id="rId5"/>
-    <p:sldId id="281" r:id="rId6"/>
-    <p:sldId id="284" r:id="rId7"/>
+    <p:sldId id="284" r:id="rId6"/>
+    <p:sldId id="281" r:id="rId7"/>
     <p:sldId id="285" r:id="rId8"/>
     <p:sldId id="286" r:id="rId9"/>
     <p:sldId id="265" r:id="rId10"/>
@@ -5892,15 +5892,15 @@
               </a:rPr>
             </a:br>
             <a:r>
-              <a:rPr lang="en-US" sz="3200" b="1" dirty="0" err="1"/>
+              <a:rPr lang="en-US" sz="2800" b="1" dirty="0" err="1"/>
               <a:t>Sonal</a:t>
             </a:r>
             <a:r>
-              <a:rPr lang="en-US" sz="3200" b="1" dirty="0"/>
+              <a:rPr lang="en-US" sz="2800" b="1" dirty="0"/>
               <a:t> M., Jennifer S., Matthew L. </a:t>
             </a:r>
             <a:r>
-              <a:rPr lang="en-US" sz="3200" dirty="0">
+              <a:rPr lang="en-US" sz="2800" dirty="0">
                 <a:solidFill>
                   <a:schemeClr val="tx1">
                     <a:lumMod val="50000"/>
@@ -6122,7 +6122,11 @@
           <a:lstStyle/>
           <a:p>
             <a:r>
-              <a:rPr lang="en-US" dirty="0"/>
+              <a:rPr lang="en-US" dirty="0">
+                <a:solidFill>
+                  <a:srgbClr val="0064B4"/>
+                </a:solidFill>
+              </a:rPr>
               <a:t>Overview &amp; Goal</a:t>
             </a:r>
           </a:p>
@@ -6187,7 +6191,11 @@
           <a:lstStyle/>
           <a:p>
             <a:r>
-              <a:rPr lang="en-US" dirty="0"/>
+              <a:rPr lang="en-US" dirty="0">
+                <a:solidFill>
+                  <a:srgbClr val="0064B4"/>
+                </a:solidFill>
+              </a:rPr>
               <a:t>Correlation &amp; Chi Squared Test for Independent Variables in Relation to The Dependent variables(y)</a:t>
             </a:r>
           </a:p>
@@ -6215,7 +6223,7 @@
         </p:blipFill>
         <p:spPr>
           <a:xfrm>
-            <a:off x="1073418" y="4279900"/>
+            <a:off x="635000" y="4032250"/>
             <a:ext cx="3594100" cy="2578100"/>
           </a:xfrm>
           <a:prstGeom prst="rect">
@@ -6382,7 +6390,7 @@
         </p:nvSpPr>
         <p:spPr>
           <a:xfrm>
-            <a:off x="859106" y="476784"/>
+            <a:off x="487631" y="476784"/>
             <a:ext cx="3169522" cy="369332"/>
           </a:xfrm>
           <a:prstGeom prst="rect">
@@ -6397,7 +6405,11 @@
           <a:lstStyle/>
           <a:p>
             <a:r>
-              <a:rPr lang="en-US" dirty="0"/>
+              <a:rPr lang="en-US" dirty="0">
+                <a:solidFill>
+                  <a:srgbClr val="0064B4"/>
+                </a:solidFill>
+              </a:rPr>
               <a:t>EDA and Feature Engineering</a:t>
             </a:r>
           </a:p>
@@ -6448,7 +6460,7 @@
         <p:spPr>
           <a:xfrm>
             <a:off x="859106" y="476784"/>
-            <a:ext cx="6632008" cy="369332"/>
+            <a:ext cx="984565" cy="369332"/>
           </a:xfrm>
           <a:prstGeom prst="rect">
             <a:avLst/>
@@ -6462,8 +6474,50 @@
           <a:lstStyle/>
           <a:p>
             <a:r>
-              <a:rPr lang="en-US" dirty="0"/>
-              <a:t>Approach 1 : Handling Unbalance Data to Train and Test Model</a:t>
+              <a:rPr lang="en-US" dirty="0">
+                <a:solidFill>
+                  <a:srgbClr val="0064B4"/>
+                </a:solidFill>
+              </a:rPr>
+              <a:t>Model 1</a:t>
+            </a:r>
+          </a:p>
+        </p:txBody>
+      </p:sp>
+      <p:sp>
+        <p:nvSpPr>
+          <p:cNvPr id="3" name="Rectangle 2">
+            <a:extLst>
+              <a:ext uri="{FF2B5EF4-FFF2-40B4-BE49-F238E27FC236}">
+                <a16:creationId xmlns:a16="http://schemas.microsoft.com/office/drawing/2014/main" id="{9708DE7C-F6C8-9E48-B482-1DB1791FE00E}"/>
+              </a:ext>
+            </a:extLst>
+          </p:cNvPr>
+          <p:cNvSpPr/>
+          <p:nvPr/>
+        </p:nvSpPr>
+        <p:spPr>
+          <a:xfrm>
+            <a:off x="649325" y="3915846"/>
+            <a:ext cx="2694071" cy="369332"/>
+          </a:xfrm>
+          <a:prstGeom prst="rect">
+            <a:avLst/>
+          </a:prstGeom>
+        </p:spPr>
+        <p:txBody>
+          <a:bodyPr wrap="none">
+            <a:spAutoFit/>
+          </a:bodyPr>
+          <a:lstStyle/>
+          <a:p>
+            <a:r>
+              <a:rPr lang="en-US" dirty="0">
+                <a:solidFill>
+                  <a:srgbClr val="0064B4"/>
+                </a:solidFill>
+              </a:rPr>
+              <a:t>Accuracy, Loss, and ROC</a:t>
             </a:r>
           </a:p>
         </p:txBody>
@@ -6471,7 +6525,7 @@
     </p:spTree>
     <p:extLst>
       <p:ext uri="{BB962C8B-B14F-4D97-AF65-F5344CB8AC3E}">
-        <p14:creationId xmlns:p14="http://schemas.microsoft.com/office/powerpoint/2010/main" val="2540907024"/>
+        <p14:creationId xmlns:p14="http://schemas.microsoft.com/office/powerpoint/2010/main" val="1185885319"/>
       </p:ext>
     </p:extLst>
   </p:cSld>
@@ -6513,7 +6567,7 @@
         <p:spPr>
           <a:xfrm>
             <a:off x="859106" y="476784"/>
-            <a:ext cx="1343638" cy="646331"/>
+            <a:ext cx="6632008" cy="369332"/>
           </a:xfrm>
           <a:prstGeom prst="rect">
             <a:avLst/>
@@ -6527,14 +6581,12 @@
           <a:lstStyle/>
           <a:p>
             <a:r>
-              <a:rPr lang="en-US" dirty="0"/>
-              <a:t>Approach 2</a:t>
-            </a:r>
-          </a:p>
-          <a:p>
-            <a:r>
-              <a:rPr lang="en-US" dirty="0"/>
-              <a:t> : Model 1</a:t>
+              <a:rPr lang="en-US" dirty="0">
+                <a:solidFill>
+                  <a:srgbClr val="0064B4"/>
+                </a:solidFill>
+              </a:rPr>
+              <a:t>Approach : Handling Unbalance Data to Train and Test Model</a:t>
             </a:r>
           </a:p>
         </p:txBody>
@@ -6542,7 +6594,7 @@
     </p:spTree>
     <p:extLst>
       <p:ext uri="{BB962C8B-B14F-4D97-AF65-F5344CB8AC3E}">
-        <p14:creationId xmlns:p14="http://schemas.microsoft.com/office/powerpoint/2010/main" val="1185885319"/>
+        <p14:creationId xmlns:p14="http://schemas.microsoft.com/office/powerpoint/2010/main" val="2540907024"/>
       </p:ext>
     </p:extLst>
   </p:cSld>
@@ -6584,7 +6636,7 @@
         <p:spPr>
           <a:xfrm>
             <a:off x="859106" y="476784"/>
-            <a:ext cx="2366353" cy="369332"/>
+            <a:ext cx="984565" cy="369332"/>
           </a:xfrm>
           <a:prstGeom prst="rect">
             <a:avLst/>
@@ -6598,8 +6650,50 @@
           <a:lstStyle/>
           <a:p>
             <a:r>
-              <a:rPr lang="en-US" dirty="0"/>
-              <a:t>Approach 3 : Model 2</a:t>
+              <a:rPr lang="en-US" dirty="0">
+                <a:solidFill>
+                  <a:srgbClr val="0064B4"/>
+                </a:solidFill>
+              </a:rPr>
+              <a:t>Model 2</a:t>
+            </a:r>
+          </a:p>
+        </p:txBody>
+      </p:sp>
+      <p:sp>
+        <p:nvSpPr>
+          <p:cNvPr id="2" name="Rectangle 1">
+            <a:extLst>
+              <a:ext uri="{FF2B5EF4-FFF2-40B4-BE49-F238E27FC236}">
+                <a16:creationId xmlns:a16="http://schemas.microsoft.com/office/drawing/2014/main" id="{02B6C1DF-DA8C-4446-B150-D7F5D4EEF94E}"/>
+              </a:ext>
+            </a:extLst>
+          </p:cNvPr>
+          <p:cNvSpPr/>
+          <p:nvPr/>
+        </p:nvSpPr>
+        <p:spPr>
+          <a:xfrm>
+            <a:off x="649325" y="3915846"/>
+            <a:ext cx="2694071" cy="369332"/>
+          </a:xfrm>
+          <a:prstGeom prst="rect">
+            <a:avLst/>
+          </a:prstGeom>
+        </p:spPr>
+        <p:txBody>
+          <a:bodyPr wrap="none">
+            <a:spAutoFit/>
+          </a:bodyPr>
+          <a:lstStyle/>
+          <a:p>
+            <a:r>
+              <a:rPr lang="en-US" dirty="0">
+                <a:solidFill>
+                  <a:srgbClr val="0064B4"/>
+                </a:solidFill>
+              </a:rPr>
+              <a:t>Accuracy, Loss, and ROC</a:t>
             </a:r>
           </a:p>
         </p:txBody>
@@ -6634,41 +6728,6 @@
           <a:chExt cx="0" cy="0"/>
         </a:xfrm>
       </p:grpSpPr>
-      <p:sp>
-        <p:nvSpPr>
-          <p:cNvPr id="4" name="TextBox 3">
-            <a:extLst>
-              <a:ext uri="{FF2B5EF4-FFF2-40B4-BE49-F238E27FC236}">
-                <a16:creationId xmlns:a16="http://schemas.microsoft.com/office/drawing/2014/main" id="{D17C9CC2-E714-0C4A-B40E-F2AF5BBE22B9}"/>
-              </a:ext>
-            </a:extLst>
-          </p:cNvPr>
-          <p:cNvSpPr txBox="1"/>
-          <p:nvPr/>
-        </p:nvSpPr>
-        <p:spPr>
-          <a:xfrm>
-            <a:off x="859106" y="476784"/>
-            <a:ext cx="4063100" cy="369332"/>
-          </a:xfrm>
-          <a:prstGeom prst="rect">
-            <a:avLst/>
-          </a:prstGeom>
-          <a:noFill/>
-        </p:spPr>
-        <p:txBody>
-          <a:bodyPr wrap="none" rtlCol="0">
-            <a:spAutoFit/>
-          </a:bodyPr>
-          <a:lstStyle/>
-          <a:p>
-            <a:r>
-              <a:rPr lang="en-US" dirty="0"/>
-              <a:t>Approach 3 : Accuracy, Loss, and ROC</a:t>
-            </a:r>
-          </a:p>
-        </p:txBody>
-      </p:sp>
     </p:spTree>
     <p:extLst>
       <p:ext uri="{BB962C8B-B14F-4D97-AF65-F5344CB8AC3E}">

--- a/PPT.pptx
+++ b/PPT.pptx
@@ -15,7 +15,6 @@
     <p:sldId id="286" r:id="rId9"/>
     <p:sldId id="265" r:id="rId10"/>
     <p:sldId id="276" r:id="rId11"/>
-    <p:sldId id="279" r:id="rId12"/>
   </p:sldIdLst>
   <p:sldSz cx="12192000" cy="6858000"/>
   <p:notesSz cx="6858000" cy="9144000"/>
@@ -5867,7 +5866,7 @@
         </p:nvSpPr>
         <p:spPr>
           <a:xfrm>
-            <a:off x="1033154" y="1769423"/>
+            <a:off x="1033154" y="1712273"/>
             <a:ext cx="8823366" cy="2225164"/>
           </a:xfrm>
         </p:spPr>
@@ -5892,24 +5891,41 @@
               </a:rPr>
             </a:br>
             <a:r>
+              <a:rPr lang="en-US" sz="2800" b="1" dirty="0"/>
+              <a:t>Jennifer S., Matthew L. </a:t>
+            </a:r>
+            <a:r>
               <a:rPr lang="en-US" sz="2800" b="1" dirty="0" err="1"/>
               <a:t>Sonal</a:t>
             </a:r>
             <a:r>
               <a:rPr lang="en-US" sz="2800" b="1" dirty="0"/>
-              <a:t> M., Jennifer S., Matthew L. </a:t>
-            </a:r>
-            <a:r>
-              <a:rPr lang="en-US" sz="2800" dirty="0">
-                <a:solidFill>
-                  <a:schemeClr val="tx1">
-                    <a:lumMod val="50000"/>
-                    <a:lumOff val="50000"/>
-                  </a:schemeClr>
-                </a:solidFill>
-              </a:rPr>
               <a:t> </a:t>
             </a:r>
+            <a:r>
+              <a:rPr lang="en-US" sz="2800" b="1" dirty="0" err="1"/>
+              <a:t>M.,Priya</a:t>
+            </a:r>
+            <a:r>
+              <a:rPr lang="en-US" sz="2800" b="1" dirty="0"/>
+              <a:t> C., </a:t>
+            </a:r>
+            <a:r>
+              <a:rPr lang="en-US" sz="2800" b="1" dirty="0" err="1"/>
+              <a:t>Tikiri</a:t>
+            </a:r>
+            <a:r>
+              <a:rPr lang="en-US" sz="2800" b="1" dirty="0"/>
+              <a:t> S.</a:t>
+            </a:r>
+            <a:endParaRPr lang="en-US" sz="2800" dirty="0">
+              <a:solidFill>
+                <a:schemeClr val="tx1">
+                  <a:lumMod val="50000"/>
+                  <a:lumOff val="50000"/>
+                </a:schemeClr>
+              </a:solidFill>
+            </a:endParaRPr>
           </a:p>
         </p:txBody>
       </p:sp>
@@ -6046,36 +6062,6 @@
 </p:sld>
 </file>
 
-<file path=ppt/slides/slide11.xml><?xml version="1.0" encoding="utf-8"?>
-<p:sld xmlns:a="http://schemas.openxmlformats.org/drawingml/2006/main" xmlns:r="http://schemas.openxmlformats.org/officeDocument/2006/relationships" xmlns:p="http://schemas.openxmlformats.org/presentationml/2006/main">
-  <p:cSld>
-    <p:spTree>
-      <p:nvGrpSpPr>
-        <p:cNvPr id="1" name=""/>
-        <p:cNvGrpSpPr/>
-        <p:nvPr/>
-      </p:nvGrpSpPr>
-      <p:grpSpPr>
-        <a:xfrm>
-          <a:off x="0" y="0"/>
-          <a:ext cx="0" cy="0"/>
-          <a:chOff x="0" y="0"/>
-          <a:chExt cx="0" cy="0"/>
-        </a:xfrm>
-      </p:grpSpPr>
-    </p:spTree>
-    <p:extLst>
-      <p:ext uri="{BB962C8B-B14F-4D97-AF65-F5344CB8AC3E}">
-        <p14:creationId xmlns:p14="http://schemas.microsoft.com/office/powerpoint/2010/main" val="1135926631"/>
-      </p:ext>
-    </p:extLst>
-  </p:cSld>
-  <p:clrMapOvr>
-    <a:masterClrMapping/>
-  </p:clrMapOvr>
-</p:sld>
-</file>
-
 <file path=ppt/slides/slide2.xml><?xml version="1.0" encoding="utf-8"?>
 <p:sld xmlns:a="http://schemas.openxmlformats.org/drawingml/2006/main" xmlns:r="http://schemas.openxmlformats.org/officeDocument/2006/relationships" xmlns:p="http://schemas.openxmlformats.org/presentationml/2006/main">
   <p:cSld>
@@ -6108,7 +6094,7 @@
         <p:spPr>
           <a:xfrm>
             <a:off x="859106" y="476784"/>
-            <a:ext cx="1917513" cy="369332"/>
+            <a:ext cx="2877711" cy="523220"/>
           </a:xfrm>
           <a:prstGeom prst="rect">
             <a:avLst/>
@@ -6122,7 +6108,7 @@
           <a:lstStyle/>
           <a:p>
             <a:r>
-              <a:rPr lang="en-US" dirty="0">
+              <a:rPr lang="en-US" sz="2800" dirty="0">
                 <a:solidFill>
                   <a:srgbClr val="0064B4"/>
                 </a:solidFill>
@@ -6176,8 +6162,8 @@
         </p:nvSpPr>
         <p:spPr>
           <a:xfrm>
-            <a:off x="859106" y="476784"/>
-            <a:ext cx="10401758" cy="369332"/>
+            <a:off x="187594" y="247650"/>
+            <a:ext cx="11609717" cy="400110"/>
           </a:xfrm>
           <a:prstGeom prst="rect">
             <a:avLst/>
@@ -6191,7 +6177,7 @@
           <a:lstStyle/>
           <a:p>
             <a:r>
-              <a:rPr lang="en-US" dirty="0">
+              <a:rPr lang="en-US" sz="2000" dirty="0">
                 <a:solidFill>
                   <a:srgbClr val="0064B4"/>
                 </a:solidFill>
@@ -6391,7 +6377,7 @@
         <p:spPr>
           <a:xfrm>
             <a:off x="487631" y="476784"/>
-            <a:ext cx="3169522" cy="369332"/>
+            <a:ext cx="4816768" cy="523220"/>
           </a:xfrm>
           <a:prstGeom prst="rect">
             <a:avLst/>
@@ -6405,13 +6391,76 @@
           <a:lstStyle/>
           <a:p>
             <a:r>
-              <a:rPr lang="en-US" dirty="0">
+              <a:rPr lang="en-US" sz="2800" dirty="0">
                 <a:solidFill>
                   <a:srgbClr val="0064B4"/>
                 </a:solidFill>
               </a:rPr>
               <a:t>EDA and Feature Engineering</a:t>
             </a:r>
+          </a:p>
+        </p:txBody>
+      </p:sp>
+      <p:sp>
+        <p:nvSpPr>
+          <p:cNvPr id="2" name="TextBox 1">
+            <a:extLst>
+              <a:ext uri="{FF2B5EF4-FFF2-40B4-BE49-F238E27FC236}">
+                <a16:creationId xmlns:a16="http://schemas.microsoft.com/office/drawing/2014/main" id="{2AD05654-83A8-1A4B-9A62-942BB869F0F1}"/>
+              </a:ext>
+            </a:extLst>
+          </p:cNvPr>
+          <p:cNvSpPr txBox="1"/>
+          <p:nvPr/>
+        </p:nvSpPr>
+        <p:spPr>
+          <a:xfrm>
+            <a:off x="1030556" y="1714500"/>
+            <a:ext cx="6326860" cy="1200329"/>
+          </a:xfrm>
+          <a:prstGeom prst="rect">
+            <a:avLst/>
+          </a:prstGeom>
+          <a:noFill/>
+        </p:spPr>
+        <p:txBody>
+          <a:bodyPr wrap="none" rtlCol="0">
+            <a:spAutoFit/>
+          </a:bodyPr>
+          <a:lstStyle/>
+          <a:p>
+            <a:pPr marL="285750" indent="-285750">
+              <a:buFont typeface="Arial" panose="020B0604020202020204" pitchFamily="34" charset="0"/>
+              <a:buChar char="•"/>
+            </a:pPr>
+            <a:r>
+              <a:rPr lang="en-US" dirty="0"/>
+              <a:t>Outlier Treatments </a:t>
+            </a:r>
+          </a:p>
+          <a:p>
+            <a:pPr marL="285750" indent="-285750">
+              <a:buFont typeface="Arial" panose="020B0604020202020204" pitchFamily="34" charset="0"/>
+              <a:buChar char="•"/>
+            </a:pPr>
+            <a:r>
+              <a:rPr lang="en-US" dirty="0"/>
+              <a:t>Create Dummy Variables for all the categorical variables</a:t>
+            </a:r>
+          </a:p>
+          <a:p>
+            <a:pPr marL="285750" indent="-285750">
+              <a:buFont typeface="Arial" panose="020B0604020202020204" pitchFamily="34" charset="0"/>
+              <a:buChar char="•"/>
+            </a:pPr>
+            <a:endParaRPr lang="en-US" dirty="0"/>
+          </a:p>
+          <a:p>
+            <a:pPr marL="285750" indent="-285750">
+              <a:buFont typeface="Arial" panose="020B0604020202020204" pitchFamily="34" charset="0"/>
+              <a:buChar char="•"/>
+            </a:pPr>
+            <a:endParaRPr lang="en-US" dirty="0"/>
           </a:p>
         </p:txBody>
       </p:sp>
@@ -6567,7 +6616,7 @@
         <p:spPr>
           <a:xfrm>
             <a:off x="859106" y="476784"/>
-            <a:ext cx="6632008" cy="369332"/>
+            <a:ext cx="7035900" cy="369332"/>
           </a:xfrm>
           <a:prstGeom prst="rect">
             <a:avLst/>
@@ -6586,7 +6635,7 @@
                   <a:srgbClr val="0064B4"/>
                 </a:solidFill>
               </a:rPr>
-              <a:t>Approach : Handling Unbalance Data to Train and Test Model</a:t>
+              <a:t>Approach : Generate Synthetic Samples to Handle Imbalance Data</a:t>
             </a:r>
           </a:p>
         </p:txBody>
